--- a/Final Draft.pptx
+++ b/Final Draft.pptx
@@ -13,42 +13,42 @@
     <p:sldId id="258" r:id="rId4"/>
     <p:sldId id="262" r:id="rId5"/>
     <p:sldId id="263" r:id="rId6"/>
-    <p:sldId id="260" r:id="rId7"/>
-    <p:sldId id="259" r:id="rId8"/>
-    <p:sldId id="261" r:id="rId9"/>
+    <p:sldId id="259" r:id="rId7"/>
+    <p:sldId id="261" r:id="rId8"/>
+    <p:sldId id="260" r:id="rId9"/>
   </p:sldIdLst>
   <p:sldSz cx="12192000" cy="6858000"/>
   <p:notesSz cx="6858000" cy="9144000"/>
   <p:embeddedFontLst>
     <p:embeddedFont>
-      <p:font typeface="Calibri" panose="020F0502020204030204" pitchFamily="34" charset="0"/>
+      <p:font typeface="Roboto" panose="020B0604020202020204" charset="0"/>
       <p:regular r:id="rId11"/>
       <p:bold r:id="rId12"/>
       <p:italic r:id="rId13"/>
       <p:boldItalic r:id="rId14"/>
     </p:embeddedFont>
     <p:embeddedFont>
-      <p:font typeface="Century Gothic" panose="020B0502020202020204" pitchFamily="34" charset="0"/>
+      <p:font typeface="Calibri" panose="020F0502020204030204" pitchFamily="34" charset="0"/>
       <p:regular r:id="rId15"/>
       <p:bold r:id="rId16"/>
       <p:italic r:id="rId17"/>
       <p:boldItalic r:id="rId18"/>
     </p:embeddedFont>
     <p:embeddedFont>
-      <p:font typeface="Perpetua Titling MT" panose="02020502060505020804" pitchFamily="18" charset="0"/>
+      <p:font typeface="Wingdings 3" panose="05040102010807070707" pitchFamily="18" charset="2"/>
       <p:regular r:id="rId19"/>
-      <p:bold r:id="rId20"/>
     </p:embeddedFont>
     <p:embeddedFont>
-      <p:font typeface="Roboto" panose="020B0604020202020204" pitchFamily="2" charset="0"/>
-      <p:regular r:id="rId21"/>
-      <p:bold r:id="rId22"/>
-      <p:italic r:id="rId23"/>
-      <p:boldItalic r:id="rId24"/>
+      <p:font typeface="Perpetua Titling MT" panose="02020502060505020804" pitchFamily="18" charset="0"/>
+      <p:regular r:id="rId20"/>
+      <p:bold r:id="rId21"/>
     </p:embeddedFont>
     <p:embeddedFont>
-      <p:font typeface="Wingdings 3" panose="05040102010807070707" pitchFamily="18" charset="2"/>
-      <p:regular r:id="rId25"/>
+      <p:font typeface="Century Gothic" panose="020B0502020202020204" pitchFamily="34" charset="0"/>
+      <p:regular r:id="rId22"/>
+      <p:bold r:id="rId23"/>
+      <p:italic r:id="rId24"/>
+      <p:boldItalic r:id="rId25"/>
     </p:embeddedFont>
   </p:embeddedFontLst>
   <p:defaultTextStyle>
@@ -912,7 +912,7 @@
   <p:cSld>
     <p:spTree>
       <p:nvGrpSpPr>
-        <p:cNvPr id="1" name="Shape 155"/>
+        <p:cNvPr id="1" name="Shape 149"/>
         <p:cNvGrpSpPr/>
         <p:nvPr/>
       </p:nvGrpSpPr>
@@ -926,7 +926,7 @@
       </p:grpSpPr>
       <p:sp>
         <p:nvSpPr>
-          <p:cNvPr id="156" name="Google Shape;156;p5:notes"/>
+          <p:cNvPr id="150" name="Google Shape;150;p4:notes"/>
           <p:cNvSpPr txBox="1">
             <a:spLocks noGrp="1"/>
           </p:cNvSpPr>
@@ -964,7 +964,7 @@
       </p:sp>
       <p:sp>
         <p:nvSpPr>
-          <p:cNvPr id="157" name="Google Shape;157;p5:notes"/>
+          <p:cNvPr id="151" name="Google Shape;151;p4:notes"/>
           <p:cNvSpPr>
             <a:spLocks noGrp="1" noRot="1" noChangeAspect="1"/>
           </p:cNvSpPr>
@@ -1016,7 +1016,7 @@
   <p:cSld>
     <p:spTree>
       <p:nvGrpSpPr>
-        <p:cNvPr id="1" name="Shape 149"/>
+        <p:cNvPr id="1" name="Shape 160"/>
         <p:cNvGrpSpPr/>
         <p:nvPr/>
       </p:nvGrpSpPr>
@@ -1030,45 +1030,7 @@
       </p:grpSpPr>
       <p:sp>
         <p:nvSpPr>
-          <p:cNvPr id="150" name="Google Shape;150;p4:notes"/>
-          <p:cNvSpPr txBox="1">
-            <a:spLocks noGrp="1"/>
-          </p:cNvSpPr>
-          <p:nvPr>
-            <p:ph type="body" idx="1"/>
-          </p:nvPr>
-        </p:nvSpPr>
-        <p:spPr>
-          <a:xfrm>
-            <a:off x="685800" y="4343400"/>
-            <a:ext cx="5486400" cy="4114800"/>
-          </a:xfrm>
-          <a:prstGeom prst="rect">
-            <a:avLst/>
-          </a:prstGeom>
-        </p:spPr>
-        <p:txBody>
-          <a:bodyPr spcFirstLastPara="1" wrap="square" lIns="91425" tIns="91425" rIns="91425" bIns="91425" anchor="t" anchorCtr="0">
-            <a:noAutofit/>
-          </a:bodyPr>
-          <a:lstStyle/>
-          <a:p>
-            <a:pPr marL="0" lvl="0" indent="0" algn="l" rtl="0">
-              <a:spcBef>
-                <a:spcPts val="0"/>
-              </a:spcBef>
-              <a:spcAft>
-                <a:spcPts val="0"/>
-              </a:spcAft>
-              <a:buNone/>
-            </a:pPr>
-            <a:endParaRPr/>
-          </a:p>
-        </p:txBody>
-      </p:sp>
-      <p:sp>
-        <p:nvSpPr>
-          <p:cNvPr id="151" name="Google Shape;151;p4:notes"/>
+          <p:cNvPr id="161" name="Google Shape;161;g21ea5683b9c_0_1482:notes"/>
           <p:cNvSpPr>
             <a:spLocks noGrp="1" noRot="1" noChangeAspect="1"/>
           </p:cNvSpPr>
@@ -1107,6 +1069,44 @@
           </a:custGeom>
         </p:spPr>
       </p:sp>
+      <p:sp>
+        <p:nvSpPr>
+          <p:cNvPr id="162" name="Google Shape;162;g21ea5683b9c_0_1482:notes"/>
+          <p:cNvSpPr txBox="1">
+            <a:spLocks noGrp="1"/>
+          </p:cNvSpPr>
+          <p:nvPr>
+            <p:ph type="body" idx="1"/>
+          </p:nvPr>
+        </p:nvSpPr>
+        <p:spPr>
+          <a:xfrm>
+            <a:off x="685800" y="4343400"/>
+            <a:ext cx="5486400" cy="4114800"/>
+          </a:xfrm>
+          <a:prstGeom prst="rect">
+            <a:avLst/>
+          </a:prstGeom>
+        </p:spPr>
+        <p:txBody>
+          <a:bodyPr spcFirstLastPara="1" wrap="square" lIns="91425" tIns="91425" rIns="91425" bIns="91425" anchor="t" anchorCtr="0">
+            <a:noAutofit/>
+          </a:bodyPr>
+          <a:lstStyle/>
+          <a:p>
+            <a:pPr marL="0" lvl="0" indent="0" algn="l" rtl="0">
+              <a:spcBef>
+                <a:spcPts val="0"/>
+              </a:spcBef>
+              <a:spcAft>
+                <a:spcPts val="0"/>
+              </a:spcAft>
+              <a:buNone/>
+            </a:pPr>
+            <a:endParaRPr dirty="0"/>
+          </a:p>
+        </p:txBody>
+      </p:sp>
     </p:spTree>
   </p:cSld>
   <p:clrMapOvr>
@@ -1120,7 +1120,7 @@
   <p:cSld>
     <p:spTree>
       <p:nvGrpSpPr>
-        <p:cNvPr id="1" name="Shape 160"/>
+        <p:cNvPr id="1" name="Shape 155"/>
         <p:cNvGrpSpPr/>
         <p:nvPr/>
       </p:nvGrpSpPr>
@@ -1134,7 +1134,45 @@
       </p:grpSpPr>
       <p:sp>
         <p:nvSpPr>
-          <p:cNvPr id="161" name="Google Shape;161;g21ea5683b9c_0_1482:notes"/>
+          <p:cNvPr id="156" name="Google Shape;156;p5:notes"/>
+          <p:cNvSpPr txBox="1">
+            <a:spLocks noGrp="1"/>
+          </p:cNvSpPr>
+          <p:nvPr>
+            <p:ph type="body" idx="1"/>
+          </p:nvPr>
+        </p:nvSpPr>
+        <p:spPr>
+          <a:xfrm>
+            <a:off x="685800" y="4343400"/>
+            <a:ext cx="5486400" cy="4114800"/>
+          </a:xfrm>
+          <a:prstGeom prst="rect">
+            <a:avLst/>
+          </a:prstGeom>
+        </p:spPr>
+        <p:txBody>
+          <a:bodyPr spcFirstLastPara="1" wrap="square" lIns="91425" tIns="91425" rIns="91425" bIns="91425" anchor="t" anchorCtr="0">
+            <a:noAutofit/>
+          </a:bodyPr>
+          <a:lstStyle/>
+          <a:p>
+            <a:pPr marL="0" lvl="0" indent="0" algn="l" rtl="0">
+              <a:spcBef>
+                <a:spcPts val="0"/>
+              </a:spcBef>
+              <a:spcAft>
+                <a:spcPts val="0"/>
+              </a:spcAft>
+              <a:buNone/>
+            </a:pPr>
+            <a:endParaRPr/>
+          </a:p>
+        </p:txBody>
+      </p:sp>
+      <p:sp>
+        <p:nvSpPr>
+          <p:cNvPr id="157" name="Google Shape;157;p5:notes"/>
           <p:cNvSpPr>
             <a:spLocks noGrp="1" noRot="1" noChangeAspect="1"/>
           </p:cNvSpPr>
@@ -1172,44 +1210,6 @@
             </a:pathLst>
           </a:custGeom>
         </p:spPr>
-      </p:sp>
-      <p:sp>
-        <p:nvSpPr>
-          <p:cNvPr id="162" name="Google Shape;162;g21ea5683b9c_0_1482:notes"/>
-          <p:cNvSpPr txBox="1">
-            <a:spLocks noGrp="1"/>
-          </p:cNvSpPr>
-          <p:nvPr>
-            <p:ph type="body" idx="1"/>
-          </p:nvPr>
-        </p:nvSpPr>
-        <p:spPr>
-          <a:xfrm>
-            <a:off x="685800" y="4343400"/>
-            <a:ext cx="5486400" cy="4114800"/>
-          </a:xfrm>
-          <a:prstGeom prst="rect">
-            <a:avLst/>
-          </a:prstGeom>
-        </p:spPr>
-        <p:txBody>
-          <a:bodyPr spcFirstLastPara="1" wrap="square" lIns="91425" tIns="91425" rIns="91425" bIns="91425" anchor="t" anchorCtr="0">
-            <a:noAutofit/>
-          </a:bodyPr>
-          <a:lstStyle/>
-          <a:p>
-            <a:pPr marL="0" lvl="0" indent="0" algn="l" rtl="0">
-              <a:spcBef>
-                <a:spcPts val="0"/>
-              </a:spcBef>
-              <a:spcAft>
-                <a:spcPts val="0"/>
-              </a:spcAft>
-              <a:buNone/>
-            </a:pPr>
-            <a:endParaRPr dirty="0"/>
-          </a:p>
-        </p:txBody>
       </p:sp>
     </p:spTree>
   </p:cSld>
@@ -6970,7 +6970,21 @@
                 <a:cs typeface="Roboto"/>
                 <a:sym typeface="Roboto"/>
               </a:rPr>
-              <a:t>CSCI Group Project: Calendar APP</a:t>
+              <a:t>CSCI Group Project: Calendar </a:t>
+            </a:r>
+            <a:r>
+              <a:rPr lang="en-US" b="1" dirty="0" smtClean="0">
+                <a:solidFill>
+                  <a:schemeClr val="accent1">
+                    <a:lumMod val="50000"/>
+                  </a:schemeClr>
+                </a:solidFill>
+                <a:latin typeface="Perpetua Titling MT" panose="02020502060505020804" pitchFamily="18" charset="0"/>
+                <a:ea typeface="Roboto"/>
+                <a:cs typeface="Roboto"/>
+                <a:sym typeface="Roboto"/>
+              </a:rPr>
+              <a:t>App</a:t>
             </a:r>
             <a:endParaRPr b="1" dirty="0">
               <a:solidFill>
@@ -7326,7 +7340,7 @@
               <a:buChar char="●"/>
             </a:pPr>
             <a:r>
-              <a:rPr lang="en-US" sz="5000" dirty="0">
+              <a:rPr lang="en-US" sz="5000" dirty="0" smtClean="0">
                 <a:solidFill>
                   <a:schemeClr val="lt1"/>
                 </a:solidFill>
@@ -7335,7 +7349,19 @@
                 <a:cs typeface="Roboto"/>
                 <a:sym typeface="Roboto"/>
               </a:rPr>
-              <a:t>Unique approach to a traditional calendar application.</a:t>
+              <a:t>A unique </a:t>
+            </a:r>
+            <a:r>
+              <a:rPr lang="en-US" sz="5000" dirty="0">
+                <a:solidFill>
+                  <a:schemeClr val="lt1"/>
+                </a:solidFill>
+                <a:latin typeface="Roboto"/>
+                <a:ea typeface="Roboto"/>
+                <a:cs typeface="Roboto"/>
+                <a:sym typeface="Roboto"/>
+              </a:rPr>
+              <a:t>approach to a traditional calendar application.</a:t>
             </a:r>
             <a:endParaRPr sz="5000" dirty="0">
               <a:solidFill>
@@ -7374,7 +7400,19 @@
                 <a:cs typeface="Roboto"/>
                 <a:sym typeface="Roboto"/>
               </a:rPr>
-              <a:t>Why we chose this project?</a:t>
+              <a:t>Why we chose this </a:t>
+            </a:r>
+            <a:r>
+              <a:rPr lang="en-US" sz="5500" b="1" dirty="0" smtClean="0">
+                <a:solidFill>
+                  <a:schemeClr val="lt1"/>
+                </a:solidFill>
+                <a:latin typeface="Perpetua Titling MT" panose="02020502060505020804" pitchFamily="18" charset="0"/>
+                <a:ea typeface="Roboto"/>
+                <a:cs typeface="Roboto"/>
+                <a:sym typeface="Roboto"/>
+              </a:rPr>
+              <a:t>project:</a:t>
             </a:r>
             <a:endParaRPr sz="5500" dirty="0">
               <a:solidFill>
@@ -7858,7 +7896,43 @@
                 <a:cs typeface="Roboto"/>
                 <a:sym typeface="Roboto"/>
               </a:rPr>
-              <a:t>We use a decorator and observer design pattern.</a:t>
+              <a:t>We use </a:t>
+            </a:r>
+            <a:r>
+              <a:rPr lang="en-US" sz="2000" dirty="0" smtClean="0">
+                <a:solidFill>
+                  <a:schemeClr val="lt1"/>
+                </a:solidFill>
+                <a:latin typeface="Roboto"/>
+                <a:ea typeface="Roboto"/>
+                <a:cs typeface="Roboto"/>
+                <a:sym typeface="Roboto"/>
+              </a:rPr>
+              <a:t>the </a:t>
+            </a:r>
+            <a:r>
+              <a:rPr lang="en-US" sz="2000" dirty="0">
+                <a:solidFill>
+                  <a:schemeClr val="lt1"/>
+                </a:solidFill>
+                <a:latin typeface="Roboto"/>
+                <a:ea typeface="Roboto"/>
+                <a:cs typeface="Roboto"/>
+                <a:sym typeface="Roboto"/>
+              </a:rPr>
+              <a:t>decorator and observer design </a:t>
+            </a:r>
+            <a:r>
+              <a:rPr lang="en-US" sz="2000" dirty="0" smtClean="0">
+                <a:solidFill>
+                  <a:schemeClr val="lt1"/>
+                </a:solidFill>
+                <a:latin typeface="Roboto"/>
+                <a:ea typeface="Roboto"/>
+                <a:cs typeface="Roboto"/>
+                <a:sym typeface="Roboto"/>
+              </a:rPr>
+              <a:t>patterns.</a:t>
             </a:r>
             <a:endParaRPr sz="2000" dirty="0">
               <a:solidFill>
@@ -8288,12 +8362,12 @@
               <a:t>Demo Event </a:t>
             </a:r>
             <a:r>
-              <a:rPr lang="en-US" dirty="0" err="1">
+              <a:rPr lang="en-US" dirty="0" smtClean="0">
                 <a:solidFill>
                   <a:schemeClr val="tx1"/>
                 </a:solidFill>
               </a:rPr>
-              <a:t>occuring</a:t>
+              <a:t>occurring</a:t>
             </a:r>
             <a:endParaRPr lang="en-US" dirty="0">
               <a:solidFill>
@@ -8317,97 +8391,6 @@
 </file>
 
 <file path=ppt/slides/slide6.xml><?xml version="1.0" encoding="utf-8"?>
-<p:sld xmlns:a="http://schemas.openxmlformats.org/drawingml/2006/main" xmlns:r="http://schemas.openxmlformats.org/officeDocument/2006/relationships" xmlns:p="http://schemas.openxmlformats.org/presentationml/2006/main">
-  <p:cSld>
-    <p:spTree>
-      <p:nvGrpSpPr>
-        <p:cNvPr id="1" name="Shape 158"/>
-        <p:cNvGrpSpPr/>
-        <p:nvPr/>
-      </p:nvGrpSpPr>
-      <p:grpSpPr>
-        <a:xfrm>
-          <a:off x="0" y="0"/>
-          <a:ext cx="0" cy="0"/>
-          <a:chOff x="0" y="0"/>
-          <a:chExt cx="0" cy="0"/>
-        </a:xfrm>
-      </p:grpSpPr>
-      <p:sp>
-        <p:nvSpPr>
-          <p:cNvPr id="159" name="Google Shape;159;p18"/>
-          <p:cNvSpPr txBox="1">
-            <a:spLocks noGrp="1"/>
-          </p:cNvSpPr>
-          <p:nvPr>
-            <p:ph type="title"/>
-          </p:nvPr>
-        </p:nvSpPr>
-        <p:spPr>
-          <a:prstGeom prst="rect">
-            <a:avLst/>
-          </a:prstGeom>
-          <a:noFill/>
-          <a:ln w="9525" cap="flat" cmpd="sng">
-            <a:solidFill>
-              <a:schemeClr val="lt1"/>
-            </a:solidFill>
-            <a:prstDash val="solid"/>
-            <a:round/>
-            <a:headEnd type="none" w="sm" len="sm"/>
-            <a:tailEnd type="none" w="sm" len="sm"/>
-          </a:ln>
-        </p:spPr>
-        <p:txBody>
-          <a:bodyPr spcFirstLastPara="1" wrap="square" lIns="91425" tIns="45700" rIns="91425" bIns="45700" anchor="ctr" anchorCtr="0">
-            <a:normAutofit/>
-          </a:bodyPr>
-          <a:lstStyle/>
-          <a:p>
-            <a:pPr marL="0" lvl="0" indent="0" algn="ctr" rtl="0">
-              <a:lnSpc>
-                <a:spcPct val="90000"/>
-              </a:lnSpc>
-              <a:spcBef>
-                <a:spcPts val="0"/>
-              </a:spcBef>
-              <a:spcAft>
-                <a:spcPts val="0"/>
-              </a:spcAft>
-              <a:buClr>
-                <a:schemeClr val="dk1"/>
-              </a:buClr>
-              <a:buSzPts val="4400"/>
-              <a:buFont typeface="Calibri"/>
-              <a:buNone/>
-            </a:pPr>
-            <a:r>
-              <a:rPr lang="en-US" sz="4800" b="1" u="sng" dirty="0">
-                <a:latin typeface="Perpetua Titling MT" panose="02020502060505020804" pitchFamily="18" charset="0"/>
-                <a:ea typeface="Roboto"/>
-                <a:cs typeface="Roboto"/>
-                <a:sym typeface="Roboto"/>
-              </a:rPr>
-              <a:t>Questions?</a:t>
-            </a:r>
-            <a:endParaRPr sz="4800" b="1" u="sng" dirty="0">
-              <a:latin typeface="Perpetua Titling MT" panose="02020502060505020804" pitchFamily="18" charset="0"/>
-              <a:ea typeface="Roboto"/>
-              <a:cs typeface="Roboto"/>
-              <a:sym typeface="Roboto"/>
-            </a:endParaRPr>
-          </a:p>
-        </p:txBody>
-      </p:sp>
-    </p:spTree>
-  </p:cSld>
-  <p:clrMapOvr>
-    <a:masterClrMapping/>
-  </p:clrMapOvr>
-</p:sld>
-</file>
-
-<file path=ppt/slides/slide7.xml><?xml version="1.0" encoding="utf-8"?>
 <p:sld xmlns:a="http://schemas.openxmlformats.org/drawingml/2006/main" xmlns:r="http://schemas.openxmlformats.org/officeDocument/2006/relationships" xmlns:p="http://schemas.openxmlformats.org/presentationml/2006/main">
   <p:cSld>
     <p:spTree>
@@ -8652,7 +8635,31 @@
                 <a:cs typeface="Roboto"/>
                 <a:sym typeface="Roboto"/>
               </a:rPr>
-              <a:t>Specifically, we would like to implement an importing and exporting </a:t>
+              <a:t>Specifically, we would like to </a:t>
+            </a:r>
+            <a:r>
+              <a:rPr lang="en-US" dirty="0" smtClean="0">
+                <a:solidFill>
+                  <a:schemeClr val="lt1"/>
+                </a:solidFill>
+                <a:latin typeface="Roboto"/>
+                <a:ea typeface="Roboto"/>
+                <a:cs typeface="Roboto"/>
+                <a:sym typeface="Roboto"/>
+              </a:rPr>
+              <a:t>implement </a:t>
+            </a:r>
+            <a:r>
+              <a:rPr lang="en-US" dirty="0">
+                <a:solidFill>
+                  <a:schemeClr val="lt1"/>
+                </a:solidFill>
+                <a:latin typeface="Roboto"/>
+                <a:ea typeface="Roboto"/>
+                <a:cs typeface="Roboto"/>
+                <a:sym typeface="Roboto"/>
+              </a:rPr>
+              <a:t>importing and exporting </a:t>
             </a:r>
             <a:r>
               <a:rPr lang="en-US" i="0" dirty="0">
@@ -8686,7 +8693,7 @@
 </p:sld>
 </file>
 
-<file path=ppt/slides/slide8.xml><?xml version="1.0" encoding="utf-8"?>
+<file path=ppt/slides/slide7.xml><?xml version="1.0" encoding="utf-8"?>
 <p:sld xmlns:a="http://schemas.openxmlformats.org/drawingml/2006/main" xmlns:r="http://schemas.openxmlformats.org/officeDocument/2006/relationships" xmlns:p="http://schemas.openxmlformats.org/presentationml/2006/main">
   <p:cSld>
     <p:spTree>
@@ -8763,6 +8770,15 @@
               </a:rPr>
               <a:t>Contact Information</a:t>
             </a:r>
+            <a:r>
+              <a:rPr lang="fr-FR" sz="3300" b="1" u="sng" dirty="0">
+                <a:latin typeface="Roboto"/>
+                <a:ea typeface="Roboto"/>
+                <a:cs typeface="Roboto"/>
+                <a:sym typeface="Roboto"/>
+              </a:rPr>
+              <a:t/>
+            </a:r>
             <a:br>
               <a:rPr lang="fr-FR" sz="3300" b="1" u="sng" dirty="0">
                 <a:latin typeface="Roboto"/>
@@ -8771,6 +8787,15 @@
                 <a:sym typeface="Roboto"/>
               </a:rPr>
             </a:br>
+            <a:r>
+              <a:rPr lang="fr-FR" sz="1900" dirty="0">
+                <a:latin typeface="Roboto"/>
+                <a:ea typeface="Roboto"/>
+                <a:cs typeface="Roboto"/>
+                <a:sym typeface="Roboto"/>
+              </a:rPr>
+              <a:t/>
+            </a:r>
             <a:br>
               <a:rPr lang="fr-FR" sz="1900" dirty="0">
                 <a:latin typeface="Roboto"/>
@@ -8779,6 +8804,15 @@
                 <a:sym typeface="Roboto"/>
               </a:rPr>
             </a:br>
+            <a:r>
+              <a:rPr lang="fr-FR" sz="1900" dirty="0">
+                <a:latin typeface="Roboto"/>
+                <a:ea typeface="Roboto"/>
+                <a:cs typeface="Roboto"/>
+                <a:sym typeface="Roboto"/>
+              </a:rPr>
+              <a:t/>
+            </a:r>
             <a:br>
               <a:rPr lang="fr-FR" sz="1900" dirty="0">
                 <a:latin typeface="Roboto"/>
@@ -8875,6 +8909,23 @@
               </a:rPr>
               <a:t>kylhbyas@ut.utm.edu</a:t>
             </a:r>
+            <a:r>
+              <a:rPr kumimoji="0" lang="en-US" sz="2000" b="0" i="0" u="none" strike="noStrike" kern="1200" cap="none" spc="0" normalizeH="0" baseline="0" noProof="0" dirty="0">
+                <a:ln>
+                  <a:noFill/>
+                </a:ln>
+                <a:solidFill>
+                  <a:prstClr val="white"/>
+                </a:solidFill>
+                <a:effectLst/>
+                <a:uLnTx/>
+                <a:uFillTx/>
+                <a:latin typeface="Century Gothic" panose="020B0502020202020204"/>
+                <a:ea typeface="+mn-ea"/>
+                <a:cs typeface="+mn-cs"/>
+              </a:rPr>
+              <a:t/>
+            </a:r>
             <a:br>
               <a:rPr kumimoji="0" lang="en-US" sz="2000" b="0" i="0" u="none" strike="noStrike" kern="1200" cap="none" spc="0" normalizeH="0" baseline="0" noProof="0" dirty="0">
                 <a:ln>
@@ -8891,6 +8942,15 @@
                 <a:cs typeface="+mn-cs"/>
               </a:rPr>
             </a:br>
+            <a:r>
+              <a:rPr lang="fr-FR" sz="1400" dirty="0">
+                <a:latin typeface="Roboto"/>
+                <a:ea typeface="Roboto"/>
+                <a:cs typeface="Roboto"/>
+                <a:sym typeface="Roboto"/>
+              </a:rPr>
+              <a:t/>
+            </a:r>
             <a:br>
               <a:rPr lang="fr-FR" sz="1400" dirty="0">
                 <a:latin typeface="Roboto"/>
@@ -8899,6 +8959,15 @@
                 <a:sym typeface="Roboto"/>
               </a:rPr>
             </a:br>
+            <a:r>
+              <a:rPr lang="fr-FR" sz="1400" dirty="0">
+                <a:latin typeface="Roboto"/>
+                <a:ea typeface="Roboto"/>
+                <a:cs typeface="Roboto"/>
+                <a:sym typeface="Roboto"/>
+              </a:rPr>
+              <a:t/>
+            </a:r>
             <a:br>
               <a:rPr lang="fr-FR" sz="1400" dirty="0">
                 <a:latin typeface="Roboto"/>
@@ -8917,6 +8986,97 @@
               <a:t>Repo: https://github.com/JeremyGord/CSCI-352-Group-Project.git</a:t>
             </a:r>
             <a:endParaRPr lang="fr-FR" sz="2400" dirty="0"/>
+          </a:p>
+        </p:txBody>
+      </p:sp>
+    </p:spTree>
+  </p:cSld>
+  <p:clrMapOvr>
+    <a:masterClrMapping/>
+  </p:clrMapOvr>
+</p:sld>
+</file>
+
+<file path=ppt/slides/slide8.xml><?xml version="1.0" encoding="utf-8"?>
+<p:sld xmlns:a="http://schemas.openxmlformats.org/drawingml/2006/main" xmlns:r="http://schemas.openxmlformats.org/officeDocument/2006/relationships" xmlns:p="http://schemas.openxmlformats.org/presentationml/2006/main">
+  <p:cSld>
+    <p:spTree>
+      <p:nvGrpSpPr>
+        <p:cNvPr id="1" name="Shape 158"/>
+        <p:cNvGrpSpPr/>
+        <p:nvPr/>
+      </p:nvGrpSpPr>
+      <p:grpSpPr>
+        <a:xfrm>
+          <a:off x="0" y="0"/>
+          <a:ext cx="0" cy="0"/>
+          <a:chOff x="0" y="0"/>
+          <a:chExt cx="0" cy="0"/>
+        </a:xfrm>
+      </p:grpSpPr>
+      <p:sp>
+        <p:nvSpPr>
+          <p:cNvPr id="159" name="Google Shape;159;p18"/>
+          <p:cNvSpPr txBox="1">
+            <a:spLocks noGrp="1"/>
+          </p:cNvSpPr>
+          <p:nvPr>
+            <p:ph type="title"/>
+          </p:nvPr>
+        </p:nvSpPr>
+        <p:spPr>
+          <a:prstGeom prst="rect">
+            <a:avLst/>
+          </a:prstGeom>
+          <a:noFill/>
+          <a:ln w="9525" cap="flat" cmpd="sng">
+            <a:solidFill>
+              <a:schemeClr val="lt1"/>
+            </a:solidFill>
+            <a:prstDash val="solid"/>
+            <a:round/>
+            <a:headEnd type="none" w="sm" len="sm"/>
+            <a:tailEnd type="none" w="sm" len="sm"/>
+          </a:ln>
+        </p:spPr>
+        <p:txBody>
+          <a:bodyPr spcFirstLastPara="1" wrap="square" lIns="91425" tIns="45700" rIns="91425" bIns="45700" anchor="ctr" anchorCtr="0">
+            <a:normAutofit/>
+          </a:bodyPr>
+          <a:lstStyle/>
+          <a:p>
+            <a:pPr marL="0" lvl="0" indent="0" algn="ctr" rtl="0">
+              <a:lnSpc>
+                <a:spcPct val="90000"/>
+              </a:lnSpc>
+              <a:spcBef>
+                <a:spcPts val="0"/>
+              </a:spcBef>
+              <a:spcAft>
+                <a:spcPts val="0"/>
+              </a:spcAft>
+              <a:buClr>
+                <a:schemeClr val="dk1"/>
+              </a:buClr>
+              <a:buSzPts val="4400"/>
+              <a:buFont typeface="Calibri"/>
+              <a:buNone/>
+            </a:pPr>
+            <a:r>
+              <a:rPr lang="en-US" sz="4800" b="1" u="sng" dirty="0">
+                <a:latin typeface="Perpetua Titling MT" panose="02020502060505020804" pitchFamily="18" charset="0"/>
+                <a:ea typeface="Roboto"/>
+                <a:cs typeface="Roboto"/>
+                <a:sym typeface="Roboto"/>
+              </a:rPr>
+              <a:t>Questions?</a:t>
+            </a:r>
+            <a:endParaRPr sz="4800" b="1" u="sng" dirty="0">
+              <a:latin typeface="Perpetua Titling MT" panose="02020502060505020804" pitchFamily="18" charset="0"/>
+              <a:ea typeface="Roboto"/>
+              <a:cs typeface="Roboto"/>
+              <a:sym typeface="Roboto"/>
+            </a:endParaRPr>
           </a:p>
         </p:txBody>
       </p:sp>
